--- a/data-viz-02/component/exercise-titanic.pptx
+++ b/data-viz-02/component/exercise-titanic.pptx
@@ -3218,7 +3218,7 @@
             </a:r>
             <a:r>
               <a:rPr/>
-              <a:t>2019-08-25</a:t>
+              <a:t>2019-09-22</a:t>
             </a:r>
           </a:p>
         </p:txBody>
